--- a/Презентация WEB.pptx
+++ b/Презентация WEB.pptx
@@ -112,6 +112,11 @@
       </a:defRPr>
     </a:lvl9pPr>
   </p:defaultTextStyle>
+  <p:extLst>
+    <p:ext uri="{EFAFB233-063F-42B5-8137-9DF3F51BA10A}">
+      <p15:sldGuideLst xmlns:p15="http://schemas.microsoft.com/office/powerpoint/2012/main"/>
+    </p:ext>
+  </p:extLst>
 </p:presentation>
 </file>
 
@@ -262,7 +267,7 @@
           <a:p>
             <a:fld id="{59F7F19A-2633-4B54-9371-C2FCC1289F84}" type="datetimeFigureOut">
               <a:rPr lang="ru-RU" smtClean="0"/>
-              <a:t>26.04.2021</a:t>
+              <a:t>27.04.2021</a:t>
             </a:fld>
             <a:endParaRPr lang="ru-RU"/>
           </a:p>
@@ -460,7 +465,7 @@
           <a:p>
             <a:fld id="{59F7F19A-2633-4B54-9371-C2FCC1289F84}" type="datetimeFigureOut">
               <a:rPr lang="ru-RU" smtClean="0"/>
-              <a:t>26.04.2021</a:t>
+              <a:t>27.04.2021</a:t>
             </a:fld>
             <a:endParaRPr lang="ru-RU"/>
           </a:p>
@@ -668,7 +673,7 @@
           <a:p>
             <a:fld id="{59F7F19A-2633-4B54-9371-C2FCC1289F84}" type="datetimeFigureOut">
               <a:rPr lang="ru-RU" smtClean="0"/>
-              <a:t>26.04.2021</a:t>
+              <a:t>27.04.2021</a:t>
             </a:fld>
             <a:endParaRPr lang="ru-RU"/>
           </a:p>
@@ -866,7 +871,7 @@
           <a:p>
             <a:fld id="{59F7F19A-2633-4B54-9371-C2FCC1289F84}" type="datetimeFigureOut">
               <a:rPr lang="ru-RU" smtClean="0"/>
-              <a:t>26.04.2021</a:t>
+              <a:t>27.04.2021</a:t>
             </a:fld>
             <a:endParaRPr lang="ru-RU"/>
           </a:p>
@@ -1141,7 +1146,7 @@
           <a:p>
             <a:fld id="{59F7F19A-2633-4B54-9371-C2FCC1289F84}" type="datetimeFigureOut">
               <a:rPr lang="ru-RU" smtClean="0"/>
-              <a:t>26.04.2021</a:t>
+              <a:t>27.04.2021</a:t>
             </a:fld>
             <a:endParaRPr lang="ru-RU"/>
           </a:p>
@@ -1406,7 +1411,7 @@
           <a:p>
             <a:fld id="{59F7F19A-2633-4B54-9371-C2FCC1289F84}" type="datetimeFigureOut">
               <a:rPr lang="ru-RU" smtClean="0"/>
-              <a:t>26.04.2021</a:t>
+              <a:t>27.04.2021</a:t>
             </a:fld>
             <a:endParaRPr lang="ru-RU"/>
           </a:p>
@@ -1818,7 +1823,7 @@
           <a:p>
             <a:fld id="{59F7F19A-2633-4B54-9371-C2FCC1289F84}" type="datetimeFigureOut">
               <a:rPr lang="ru-RU" smtClean="0"/>
-              <a:t>26.04.2021</a:t>
+              <a:t>27.04.2021</a:t>
             </a:fld>
             <a:endParaRPr lang="ru-RU"/>
           </a:p>
@@ -1959,7 +1964,7 @@
           <a:p>
             <a:fld id="{59F7F19A-2633-4B54-9371-C2FCC1289F84}" type="datetimeFigureOut">
               <a:rPr lang="ru-RU" smtClean="0"/>
-              <a:t>26.04.2021</a:t>
+              <a:t>27.04.2021</a:t>
             </a:fld>
             <a:endParaRPr lang="ru-RU"/>
           </a:p>
@@ -2072,7 +2077,7 @@
           <a:p>
             <a:fld id="{59F7F19A-2633-4B54-9371-C2FCC1289F84}" type="datetimeFigureOut">
               <a:rPr lang="ru-RU" smtClean="0"/>
-              <a:t>26.04.2021</a:t>
+              <a:t>27.04.2021</a:t>
             </a:fld>
             <a:endParaRPr lang="ru-RU"/>
           </a:p>
@@ -2383,7 +2388,7 @@
           <a:p>
             <a:fld id="{59F7F19A-2633-4B54-9371-C2FCC1289F84}" type="datetimeFigureOut">
               <a:rPr lang="ru-RU" smtClean="0"/>
-              <a:t>26.04.2021</a:t>
+              <a:t>27.04.2021</a:t>
             </a:fld>
             <a:endParaRPr lang="ru-RU"/>
           </a:p>
@@ -2671,7 +2676,7 @@
           <a:p>
             <a:fld id="{59F7F19A-2633-4B54-9371-C2FCC1289F84}" type="datetimeFigureOut">
               <a:rPr lang="ru-RU" smtClean="0"/>
-              <a:t>26.04.2021</a:t>
+              <a:t>27.04.2021</a:t>
             </a:fld>
             <a:endParaRPr lang="ru-RU"/>
           </a:p>
@@ -2912,7 +2917,7 @@
           <a:p>
             <a:fld id="{59F7F19A-2633-4B54-9371-C2FCC1289F84}" type="datetimeFigureOut">
               <a:rPr lang="ru-RU" smtClean="0"/>
-              <a:t>26.04.2021</a:t>
+              <a:t>27.04.2021</a:t>
             </a:fld>
             <a:endParaRPr lang="ru-RU"/>
           </a:p>
@@ -3407,7 +3412,12 @@
             <p:ph type="subTitle" idx="1"/>
           </p:nvPr>
         </p:nvSpPr>
-        <p:spPr/>
+        <p:spPr>
+          <a:xfrm>
+            <a:off x="1524000" y="3602038"/>
+            <a:ext cx="9144000" cy="2864076"/>
+          </a:xfrm>
+        </p:spPr>
         <p:txBody>
           <a:bodyPr>
             <a:normAutofit/>
@@ -3421,6 +3431,57 @@
                 <a:cs typeface="Times New Roman" panose="02020603050405020304" pitchFamily="18" charset="0"/>
               </a:rPr>
               <a:t>Выполнил: Сажин Антон</a:t>
+            </a:r>
+          </a:p>
+          <a:p>
+            <a:pPr algn="r"/>
+            <a:endParaRPr lang="ru-RU" sz="1600" dirty="0">
+              <a:latin typeface="Times New Roman" panose="02020603050405020304" pitchFamily="18" charset="0"/>
+              <a:cs typeface="Times New Roman" panose="02020603050405020304" pitchFamily="18" charset="0"/>
+            </a:endParaRPr>
+          </a:p>
+          <a:p>
+            <a:pPr algn="r"/>
+            <a:endParaRPr lang="ru-RU" sz="1600" dirty="0">
+              <a:latin typeface="Times New Roman" panose="02020603050405020304" pitchFamily="18" charset="0"/>
+              <a:cs typeface="Times New Roman" panose="02020603050405020304" pitchFamily="18" charset="0"/>
+            </a:endParaRPr>
+          </a:p>
+          <a:p>
+            <a:pPr algn="r"/>
+            <a:endParaRPr lang="ru-RU" sz="1600" dirty="0">
+              <a:latin typeface="Times New Roman" panose="02020603050405020304" pitchFamily="18" charset="0"/>
+              <a:cs typeface="Times New Roman" panose="02020603050405020304" pitchFamily="18" charset="0"/>
+            </a:endParaRPr>
+          </a:p>
+          <a:p>
+            <a:pPr algn="r"/>
+            <a:endParaRPr lang="ru-RU" sz="1600" dirty="0">
+              <a:latin typeface="Times New Roman" panose="02020603050405020304" pitchFamily="18" charset="0"/>
+              <a:cs typeface="Times New Roman" panose="02020603050405020304" pitchFamily="18" charset="0"/>
+            </a:endParaRPr>
+          </a:p>
+          <a:p>
+            <a:pPr algn="r"/>
+            <a:endParaRPr lang="ru-RU" sz="1600" dirty="0">
+              <a:latin typeface="Times New Roman" panose="02020603050405020304" pitchFamily="18" charset="0"/>
+              <a:cs typeface="Times New Roman" panose="02020603050405020304" pitchFamily="18" charset="0"/>
+            </a:endParaRPr>
+          </a:p>
+          <a:p>
+            <a:pPr algn="r"/>
+            <a:endParaRPr lang="ru-RU" sz="1600" dirty="0">
+              <a:latin typeface="Times New Roman" panose="02020603050405020304" pitchFamily="18" charset="0"/>
+              <a:cs typeface="Times New Roman" panose="02020603050405020304" pitchFamily="18" charset="0"/>
+            </a:endParaRPr>
+          </a:p>
+          <a:p>
+            <a:r>
+              <a:rPr lang="ru-RU" sz="1600" dirty="0">
+                <a:latin typeface="Times New Roman" panose="02020603050405020304" pitchFamily="18" charset="0"/>
+                <a:cs typeface="Times New Roman" panose="02020603050405020304" pitchFamily="18" charset="0"/>
+              </a:rPr>
+              <a:t>Сыктывкар 2021</a:t>
             </a:r>
           </a:p>
         </p:txBody>

--- a/Презентация WEB.pptx
+++ b/Презентация WEB.pptx
@@ -3671,7 +3671,7 @@
                 <a:ea typeface="Calibri" panose="020F0502020204030204" pitchFamily="34" charset="0"/>
                 <a:cs typeface="Times New Roman" panose="02020603050405020304" pitchFamily="18" charset="0"/>
               </a:rPr>
-              <a:t>сайт для отслеживания работ на планете Марс </a:t>
+              <a:t>сайт для отслеживания работ</a:t>
             </a:r>
           </a:p>
           <a:p>
@@ -3709,8 +3709,14 @@
                 <a:ea typeface="Calibri" panose="020F0502020204030204" pitchFamily="34" charset="0"/>
                 <a:cs typeface="Times New Roman" panose="02020603050405020304" pitchFamily="18" charset="0"/>
               </a:rPr>
-              <a:t>1) Регистрация и авторизация работником Марса</a:t>
-            </a:r>
+              <a:t>1) Регистрация и авторизация работником </a:t>
+            </a:r>
+            <a:endParaRPr lang="en-US" sz="1800" dirty="0">
+              <a:effectLst/>
+              <a:latin typeface="Times New Roman" panose="02020603050405020304" pitchFamily="18" charset="0"/>
+              <a:ea typeface="Calibri" panose="020F0502020204030204" pitchFamily="34" charset="0"/>
+              <a:cs typeface="Times New Roman" panose="02020603050405020304" pitchFamily="18" charset="0"/>
+            </a:endParaRPr>
           </a:p>
           <a:p>
             <a:pPr algn="just">
